--- a/week7presentation.pptx
+++ b/week7presentation.pptx
@@ -6,10 +6,13 @@
   </p:sldMasterIdLst>
   <p:sldIdLst>
     <p:sldId id="256" r:id="rId2"/>
-    <p:sldId id="257" r:id="rId3"/>
-    <p:sldId id="258" r:id="rId4"/>
-    <p:sldId id="260" r:id="rId5"/>
-    <p:sldId id="261" r:id="rId6"/>
+    <p:sldId id="263" r:id="rId3"/>
+    <p:sldId id="257" r:id="rId4"/>
+    <p:sldId id="258" r:id="rId5"/>
+    <p:sldId id="260" r:id="rId6"/>
+    <p:sldId id="261" r:id="rId7"/>
+    <p:sldId id="262" r:id="rId8"/>
+    <p:sldId id="264" r:id="rId9"/>
   </p:sldIdLst>
   <p:sldSz cx="9144000" cy="6858000" type="screen4x3"/>
   <p:notesSz cx="6858000" cy="9144000"/>
@@ -3176,6 +3179,86 @@
       </p:grpSpPr>
       <p:sp>
         <p:nvSpPr>
+          <p:cNvPr id="4" name="Title 3"/>
+          <p:cNvSpPr>
+            <a:spLocks noGrp="1"/>
+          </p:cNvSpPr>
+          <p:nvPr>
+            <p:ph type="title"/>
+          </p:nvPr>
+        </p:nvSpPr>
+        <p:spPr/>
+        <p:txBody>
+          <a:bodyPr/>
+          <a:lstStyle/>
+          <a:p>
+            <a:r>
+              <a:rPr lang="en-US" dirty="0" smtClean="0"/>
+              <a:t>Working with </a:t>
+            </a:r>
+            <a:r>
+              <a:rPr lang="en-US" dirty="0" err="1" smtClean="0"/>
+              <a:t>git</a:t>
+            </a:r>
+            <a:endParaRPr lang="en-IE" dirty="0"/>
+          </a:p>
+        </p:txBody>
+      </p:sp>
+      <p:sp>
+        <p:nvSpPr>
+          <p:cNvPr id="5" name="Text Placeholder 4"/>
+          <p:cNvSpPr>
+            <a:spLocks noGrp="1"/>
+          </p:cNvSpPr>
+          <p:nvPr>
+            <p:ph type="body" idx="1"/>
+          </p:nvPr>
+        </p:nvSpPr>
+        <p:spPr/>
+        <p:txBody>
+          <a:bodyPr/>
+          <a:lstStyle/>
+          <a:p>
+            <a:r>
+              <a:rPr lang="en-US" dirty="0" smtClean="0"/>
+              <a:t>Workflow</a:t>
+            </a:r>
+            <a:endParaRPr lang="en-IE" dirty="0"/>
+          </a:p>
+        </p:txBody>
+      </p:sp>
+    </p:spTree>
+    <p:extLst>
+      <p:ext uri="{BB962C8B-B14F-4D97-AF65-F5344CB8AC3E}">
+        <p14:creationId xmlns:p14="http://schemas.microsoft.com/office/powerpoint/2010/main" val="3678013751"/>
+      </p:ext>
+    </p:extLst>
+  </p:cSld>
+  <p:clrMapOvr>
+    <a:masterClrMapping/>
+  </p:clrMapOvr>
+</p:sld>
+</file>
+
+<file path=ppt/slides/slide3.xml><?xml version="1.0" encoding="utf-8"?>
+<p:sld xmlns:a="http://schemas.openxmlformats.org/drawingml/2006/main" xmlns:r="http://schemas.openxmlformats.org/officeDocument/2006/relationships" xmlns:p="http://schemas.openxmlformats.org/presentationml/2006/main">
+  <p:cSld>
+    <p:spTree>
+      <p:nvGrpSpPr>
+        <p:cNvPr id="1" name=""/>
+        <p:cNvGrpSpPr/>
+        <p:nvPr/>
+      </p:nvGrpSpPr>
+      <p:grpSpPr>
+        <a:xfrm>
+          <a:off x="0" y="0"/>
+          <a:ext cx="0" cy="0"/>
+          <a:chOff x="0" y="0"/>
+          <a:chExt cx="0" cy="0"/>
+        </a:xfrm>
+      </p:grpSpPr>
+      <p:sp>
+        <p:nvSpPr>
           <p:cNvPr id="2" name="Title 1"/>
           <p:cNvSpPr>
             <a:spLocks noGrp="1"/>
@@ -3316,7 +3399,7 @@
 </p:sld>
 </file>
 
-<file path=ppt/slides/slide3.xml><?xml version="1.0" encoding="utf-8"?>
+<file path=ppt/slides/slide4.xml><?xml version="1.0" encoding="utf-8"?>
 <p:sld xmlns:a="http://schemas.openxmlformats.org/drawingml/2006/main" xmlns:r="http://schemas.openxmlformats.org/officeDocument/2006/relationships" xmlns:p="http://schemas.openxmlformats.org/presentationml/2006/main">
   <p:cSld>
     <p:spTree>
@@ -3400,7 +3483,7 @@
 </p:sld>
 </file>
 
-<file path=ppt/slides/slide4.xml><?xml version="1.0" encoding="utf-8"?>
+<file path=ppt/slides/slide5.xml><?xml version="1.0" encoding="utf-8"?>
 <p:sld xmlns:a="http://schemas.openxmlformats.org/drawingml/2006/main" xmlns:r="http://schemas.openxmlformats.org/officeDocument/2006/relationships" xmlns:p="http://schemas.openxmlformats.org/presentationml/2006/main">
   <p:cSld>
     <p:spTree>
@@ -3488,6 +3571,39 @@
                 <a:cs typeface="Courier New" panose="02070309020205020404" pitchFamily="49" charset="0"/>
               </a:rPr>
               <a:t> add index.html</a:t>
+            </a:r>
+          </a:p>
+          <a:p>
+            <a:pPr marL="0" indent="0">
+              <a:buNone/>
+            </a:pPr>
+            <a:r>
+              <a:rPr lang="en-US" sz="3600" dirty="0" err="1" smtClean="0">
+                <a:latin typeface="Courier New" panose="02070309020205020404" pitchFamily="49" charset="0"/>
+                <a:cs typeface="Courier New" panose="02070309020205020404" pitchFamily="49" charset="0"/>
+              </a:rPr>
+              <a:t>git</a:t>
+            </a:r>
+            <a:r>
+              <a:rPr lang="en-US" sz="3600" dirty="0" smtClean="0">
+                <a:latin typeface="Courier New" panose="02070309020205020404" pitchFamily="49" charset="0"/>
+                <a:cs typeface="Courier New" panose="02070309020205020404" pitchFamily="49" charset="0"/>
+              </a:rPr>
+              <a:t> commit –a –</a:t>
+            </a:r>
+            <a:r>
+              <a:rPr lang="en-US" sz="3600" dirty="0" err="1" smtClean="0">
+                <a:latin typeface="Courier New" panose="02070309020205020404" pitchFamily="49" charset="0"/>
+                <a:cs typeface="Courier New" panose="02070309020205020404" pitchFamily="49" charset="0"/>
+              </a:rPr>
+              <a:t>m”message</a:t>
+            </a:r>
+            <a:r>
+              <a:rPr lang="en-US" sz="3600" dirty="0" smtClean="0">
+                <a:latin typeface="Courier New" panose="02070309020205020404" pitchFamily="49" charset="0"/>
+                <a:cs typeface="Courier New" panose="02070309020205020404" pitchFamily="49" charset="0"/>
+              </a:rPr>
+              <a:t>”</a:t>
             </a:r>
           </a:p>
         </p:txBody>
@@ -3512,7 +3628,7 @@
 </p:sld>
 </file>
 
-<file path=ppt/slides/slide5.xml><?xml version="1.0" encoding="utf-8"?>
+<file path=ppt/slides/slide6.xml><?xml version="1.0" encoding="utf-8"?>
 <p:sld xmlns:a="http://schemas.openxmlformats.org/drawingml/2006/main" xmlns:r="http://schemas.openxmlformats.org/officeDocument/2006/relationships" xmlns:p="http://schemas.openxmlformats.org/presentationml/2006/main">
   <p:cSld>
     <p:spTree>
@@ -3587,6 +3703,174 @@
     <p:extLst>
       <p:ext uri="{BB962C8B-B14F-4D97-AF65-F5344CB8AC3E}">
         <p14:creationId xmlns:p14="http://schemas.microsoft.com/office/powerpoint/2010/main" val="2391139208"/>
+      </p:ext>
+    </p:extLst>
+  </p:cSld>
+  <p:clrMapOvr>
+    <a:masterClrMapping/>
+  </p:clrMapOvr>
+</p:sld>
+</file>
+
+<file path=ppt/slides/slide7.xml><?xml version="1.0" encoding="utf-8"?>
+<p:sld xmlns:a="http://schemas.openxmlformats.org/drawingml/2006/main" xmlns:r="http://schemas.openxmlformats.org/officeDocument/2006/relationships" xmlns:p="http://schemas.openxmlformats.org/presentationml/2006/main">
+  <p:cSld>
+    <p:spTree>
+      <p:nvGrpSpPr>
+        <p:cNvPr id="1" name=""/>
+        <p:cNvGrpSpPr/>
+        <p:nvPr/>
+      </p:nvGrpSpPr>
+      <p:grpSpPr>
+        <a:xfrm>
+          <a:off x="0" y="0"/>
+          <a:ext cx="0" cy="0"/>
+          <a:chOff x="0" y="0"/>
+          <a:chExt cx="0" cy="0"/>
+        </a:xfrm>
+      </p:grpSpPr>
+      <p:pic>
+        <p:nvPicPr>
+          <p:cNvPr id="3074" name="Picture 2"/>
+          <p:cNvPicPr>
+            <a:picLocks noChangeAspect="1" noChangeArrowheads="1"/>
+          </p:cNvPicPr>
+          <p:nvPr/>
+        </p:nvPicPr>
+        <p:blipFill>
+          <a:blip r:embed="rId2">
+            <a:extLst>
+              <a:ext uri="{28A0092B-C50C-407E-A947-70E740481C1C}">
+                <a14:useLocalDpi xmlns:a14="http://schemas.microsoft.com/office/drawing/2010/main" val="0"/>
+              </a:ext>
+            </a:extLst>
+          </a:blip>
+          <a:srcRect/>
+          <a:stretch>
+            <a:fillRect/>
+          </a:stretch>
+        </p:blipFill>
+        <p:spPr bwMode="auto">
+          <a:xfrm>
+            <a:off x="0" y="1340768"/>
+            <a:ext cx="8957698" cy="3672408"/>
+          </a:xfrm>
+          <a:prstGeom prst="rect">
+            <a:avLst/>
+          </a:prstGeom>
+          <a:noFill/>
+          <a:ln>
+            <a:noFill/>
+          </a:ln>
+          <a:extLst>
+            <a:ext uri="{909E8E84-426E-40DD-AFC4-6F175D3DCCD1}">
+              <a14:hiddenFill xmlns:a14="http://schemas.microsoft.com/office/drawing/2010/main">
+                <a:solidFill>
+                  <a:schemeClr val="accent1"/>
+                </a:solidFill>
+              </a14:hiddenFill>
+            </a:ext>
+            <a:ext uri="{91240B29-F687-4F45-9708-019B960494DF}">
+              <a14:hiddenLine xmlns:a14="http://schemas.microsoft.com/office/drawing/2010/main" w="9525">
+                <a:solidFill>
+                  <a:schemeClr val="tx1"/>
+                </a:solidFill>
+                <a:miter lim="800000"/>
+                <a:headEnd/>
+                <a:tailEnd/>
+              </a14:hiddenLine>
+            </a:ext>
+          </a:extLst>
+        </p:spPr>
+      </p:pic>
+    </p:spTree>
+    <p:extLst>
+      <p:ext uri="{BB962C8B-B14F-4D97-AF65-F5344CB8AC3E}">
+        <p14:creationId xmlns:p14="http://schemas.microsoft.com/office/powerpoint/2010/main" val="611767239"/>
+      </p:ext>
+    </p:extLst>
+  </p:cSld>
+  <p:clrMapOvr>
+    <a:masterClrMapping/>
+  </p:clrMapOvr>
+</p:sld>
+</file>
+
+<file path=ppt/slides/slide8.xml><?xml version="1.0" encoding="utf-8"?>
+<p:sld xmlns:a="http://schemas.openxmlformats.org/drawingml/2006/main" xmlns:r="http://schemas.openxmlformats.org/officeDocument/2006/relationships" xmlns:p="http://schemas.openxmlformats.org/presentationml/2006/main">
+  <p:cSld>
+    <p:spTree>
+      <p:nvGrpSpPr>
+        <p:cNvPr id="1" name=""/>
+        <p:cNvGrpSpPr/>
+        <p:nvPr/>
+      </p:nvGrpSpPr>
+      <p:grpSpPr>
+        <a:xfrm>
+          <a:off x="0" y="0"/>
+          <a:ext cx="0" cy="0"/>
+          <a:chOff x="0" y="0"/>
+          <a:chExt cx="0" cy="0"/>
+        </a:xfrm>
+      </p:grpSpPr>
+      <p:pic>
+        <p:nvPicPr>
+          <p:cNvPr id="4098" name="Picture 2"/>
+          <p:cNvPicPr>
+            <a:picLocks noChangeAspect="1" noChangeArrowheads="1"/>
+          </p:cNvPicPr>
+          <p:nvPr/>
+        </p:nvPicPr>
+        <p:blipFill>
+          <a:blip r:embed="rId2">
+            <a:extLst>
+              <a:ext uri="{28A0092B-C50C-407E-A947-70E740481C1C}">
+                <a14:useLocalDpi xmlns:a14="http://schemas.microsoft.com/office/drawing/2010/main" val="0"/>
+              </a:ext>
+            </a:extLst>
+          </a:blip>
+          <a:srcRect/>
+          <a:stretch>
+            <a:fillRect/>
+          </a:stretch>
+        </p:blipFill>
+        <p:spPr bwMode="auto">
+          <a:xfrm>
+            <a:off x="395536" y="1988840"/>
+            <a:ext cx="8509359" cy="2687166"/>
+          </a:xfrm>
+          <a:prstGeom prst="rect">
+            <a:avLst/>
+          </a:prstGeom>
+          <a:noFill/>
+          <a:ln>
+            <a:noFill/>
+          </a:ln>
+          <a:extLst>
+            <a:ext uri="{909E8E84-426E-40DD-AFC4-6F175D3DCCD1}">
+              <a14:hiddenFill xmlns:a14="http://schemas.microsoft.com/office/drawing/2010/main">
+                <a:solidFill>
+                  <a:schemeClr val="accent1"/>
+                </a:solidFill>
+              </a14:hiddenFill>
+            </a:ext>
+            <a:ext uri="{91240B29-F687-4F45-9708-019B960494DF}">
+              <a14:hiddenLine xmlns:a14="http://schemas.microsoft.com/office/drawing/2010/main" w="9525">
+                <a:solidFill>
+                  <a:schemeClr val="tx1"/>
+                </a:solidFill>
+                <a:miter lim="800000"/>
+                <a:headEnd/>
+                <a:tailEnd/>
+              </a14:hiddenLine>
+            </a:ext>
+          </a:extLst>
+        </p:spPr>
+      </p:pic>
+    </p:spTree>
+    <p:extLst>
+      <p:ext uri="{BB962C8B-B14F-4D97-AF65-F5344CB8AC3E}">
+        <p14:creationId xmlns:p14="http://schemas.microsoft.com/office/powerpoint/2010/main" val="2629353626"/>
       </p:ext>
     </p:extLst>
   </p:cSld>

--- a/week7presentation.pptx
+++ b/week7presentation.pptx
@@ -6,13 +6,15 @@
   </p:sldMasterIdLst>
   <p:sldIdLst>
     <p:sldId id="256" r:id="rId2"/>
-    <p:sldId id="263" r:id="rId3"/>
-    <p:sldId id="257" r:id="rId4"/>
-    <p:sldId id="258" r:id="rId5"/>
-    <p:sldId id="260" r:id="rId6"/>
-    <p:sldId id="261" r:id="rId7"/>
-    <p:sldId id="262" r:id="rId8"/>
-    <p:sldId id="264" r:id="rId9"/>
+    <p:sldId id="265" r:id="rId3"/>
+    <p:sldId id="263" r:id="rId4"/>
+    <p:sldId id="257" r:id="rId5"/>
+    <p:sldId id="258" r:id="rId6"/>
+    <p:sldId id="260" r:id="rId7"/>
+    <p:sldId id="261" r:id="rId8"/>
+    <p:sldId id="262" r:id="rId9"/>
+    <p:sldId id="264" r:id="rId10"/>
+    <p:sldId id="266" r:id="rId11"/>
   </p:sldIdLst>
   <p:sldSz cx="9144000" cy="6858000" type="screen4x3"/>
   <p:notesSz cx="6858000" cy="9144000"/>
@@ -3160,6 +3162,90 @@
 </p:sld>
 </file>
 
+<file path=ppt/slides/slide10.xml><?xml version="1.0" encoding="utf-8"?>
+<p:sld xmlns:a="http://schemas.openxmlformats.org/drawingml/2006/main" xmlns:r="http://schemas.openxmlformats.org/officeDocument/2006/relationships" xmlns:p="http://schemas.openxmlformats.org/presentationml/2006/main">
+  <p:cSld>
+    <p:spTree>
+      <p:nvGrpSpPr>
+        <p:cNvPr id="1" name=""/>
+        <p:cNvGrpSpPr/>
+        <p:nvPr/>
+      </p:nvGrpSpPr>
+      <p:grpSpPr>
+        <a:xfrm>
+          <a:off x="0" y="0"/>
+          <a:ext cx="0" cy="0"/>
+          <a:chOff x="0" y="0"/>
+          <a:chExt cx="0" cy="0"/>
+        </a:xfrm>
+      </p:grpSpPr>
+      <p:pic>
+        <p:nvPicPr>
+          <p:cNvPr id="2050" name="Picture 2"/>
+          <p:cNvPicPr>
+            <a:picLocks noChangeAspect="1" noChangeArrowheads="1"/>
+          </p:cNvPicPr>
+          <p:nvPr/>
+        </p:nvPicPr>
+        <p:blipFill>
+          <a:blip r:embed="rId2">
+            <a:extLst>
+              <a:ext uri="{28A0092B-C50C-407E-A947-70E740481C1C}">
+                <a14:useLocalDpi xmlns:a14="http://schemas.microsoft.com/office/drawing/2010/main" val="0"/>
+              </a:ext>
+            </a:extLst>
+          </a:blip>
+          <a:srcRect/>
+          <a:stretch>
+            <a:fillRect/>
+          </a:stretch>
+        </p:blipFill>
+        <p:spPr bwMode="auto">
+          <a:xfrm>
+            <a:off x="323528" y="1412776"/>
+            <a:ext cx="8589868" cy="3384376"/>
+          </a:xfrm>
+          <a:prstGeom prst="rect">
+            <a:avLst/>
+          </a:prstGeom>
+          <a:noFill/>
+          <a:ln>
+            <a:noFill/>
+          </a:ln>
+          <a:extLst>
+            <a:ext uri="{909E8E84-426E-40DD-AFC4-6F175D3DCCD1}">
+              <a14:hiddenFill xmlns:a14="http://schemas.microsoft.com/office/drawing/2010/main">
+                <a:solidFill>
+                  <a:schemeClr val="accent1"/>
+                </a:solidFill>
+              </a14:hiddenFill>
+            </a:ext>
+            <a:ext uri="{91240B29-F687-4F45-9708-019B960494DF}">
+              <a14:hiddenLine xmlns:a14="http://schemas.microsoft.com/office/drawing/2010/main" w="9525">
+                <a:solidFill>
+                  <a:schemeClr val="tx1"/>
+                </a:solidFill>
+                <a:miter lim="800000"/>
+                <a:headEnd/>
+                <a:tailEnd/>
+              </a14:hiddenLine>
+            </a:ext>
+          </a:extLst>
+        </p:spPr>
+      </p:pic>
+    </p:spTree>
+    <p:extLst>
+      <p:ext uri="{BB962C8B-B14F-4D97-AF65-F5344CB8AC3E}">
+        <p14:creationId xmlns:p14="http://schemas.microsoft.com/office/powerpoint/2010/main" val="3097929932"/>
+      </p:ext>
+    </p:extLst>
+  </p:cSld>
+  <p:clrMapOvr>
+    <a:masterClrMapping/>
+  </p:clrMapOvr>
+</p:sld>
+</file>
+
 <file path=ppt/slides/slide2.xml><?xml version="1.0" encoding="utf-8"?>
 <p:sld xmlns:a="http://schemas.openxmlformats.org/drawingml/2006/main" xmlns:r="http://schemas.openxmlformats.org/officeDocument/2006/relationships" xmlns:p="http://schemas.openxmlformats.org/presentationml/2006/main">
   <p:cSld>
@@ -3177,60 +3263,64 @@
           <a:chExt cx="0" cy="0"/>
         </a:xfrm>
       </p:grpSpPr>
-      <p:sp>
-        <p:nvSpPr>
-          <p:cNvPr id="4" name="Title 3"/>
-          <p:cNvSpPr>
-            <a:spLocks noGrp="1"/>
-          </p:cNvSpPr>
-          <p:nvPr>
-            <p:ph type="title"/>
-          </p:nvPr>
-        </p:nvSpPr>
-        <p:spPr/>
-        <p:txBody>
-          <a:bodyPr/>
-          <a:lstStyle/>
-          <a:p>
-            <a:r>
-              <a:rPr lang="en-US" dirty="0" smtClean="0"/>
-              <a:t>Working with </a:t>
-            </a:r>
-            <a:r>
-              <a:rPr lang="en-US" dirty="0" err="1" smtClean="0"/>
-              <a:t>git</a:t>
-            </a:r>
-            <a:endParaRPr lang="en-IE" dirty="0"/>
-          </a:p>
-        </p:txBody>
-      </p:sp>
-      <p:sp>
-        <p:nvSpPr>
-          <p:cNvPr id="5" name="Text Placeholder 4"/>
-          <p:cNvSpPr>
-            <a:spLocks noGrp="1"/>
-          </p:cNvSpPr>
-          <p:nvPr>
-            <p:ph type="body" idx="1"/>
-          </p:nvPr>
-        </p:nvSpPr>
-        <p:spPr/>
-        <p:txBody>
-          <a:bodyPr/>
-          <a:lstStyle/>
-          <a:p>
-            <a:r>
-              <a:rPr lang="en-US" dirty="0" smtClean="0"/>
-              <a:t>Workflow</a:t>
-            </a:r>
-            <a:endParaRPr lang="en-IE" dirty="0"/>
-          </a:p>
-        </p:txBody>
-      </p:sp>
+      <p:pic>
+        <p:nvPicPr>
+          <p:cNvPr id="1026" name="Picture 2"/>
+          <p:cNvPicPr>
+            <a:picLocks noChangeAspect="1" noChangeArrowheads="1"/>
+          </p:cNvPicPr>
+          <p:nvPr/>
+        </p:nvPicPr>
+        <p:blipFill>
+          <a:blip r:embed="rId2">
+            <a:extLst>
+              <a:ext uri="{28A0092B-C50C-407E-A947-70E740481C1C}">
+                <a14:useLocalDpi xmlns:a14="http://schemas.microsoft.com/office/drawing/2010/main" val="0"/>
+              </a:ext>
+            </a:extLst>
+          </a:blip>
+          <a:srcRect/>
+          <a:stretch>
+            <a:fillRect/>
+          </a:stretch>
+        </p:blipFill>
+        <p:spPr bwMode="auto">
+          <a:xfrm>
+            <a:off x="395537" y="1700808"/>
+            <a:ext cx="8640960" cy="2326982"/>
+          </a:xfrm>
+          <a:prstGeom prst="rect">
+            <a:avLst/>
+          </a:prstGeom>
+          <a:noFill/>
+          <a:ln>
+            <a:noFill/>
+          </a:ln>
+          <a:extLst>
+            <a:ext uri="{909E8E84-426E-40DD-AFC4-6F175D3DCCD1}">
+              <a14:hiddenFill xmlns:a14="http://schemas.microsoft.com/office/drawing/2010/main">
+                <a:solidFill>
+                  <a:schemeClr val="accent1"/>
+                </a:solidFill>
+              </a14:hiddenFill>
+            </a:ext>
+            <a:ext uri="{91240B29-F687-4F45-9708-019B960494DF}">
+              <a14:hiddenLine xmlns:a14="http://schemas.microsoft.com/office/drawing/2010/main" w="9525">
+                <a:solidFill>
+                  <a:schemeClr val="tx1"/>
+                </a:solidFill>
+                <a:miter lim="800000"/>
+                <a:headEnd/>
+                <a:tailEnd/>
+              </a14:hiddenLine>
+            </a:ext>
+          </a:extLst>
+        </p:spPr>
+      </p:pic>
     </p:spTree>
     <p:extLst>
       <p:ext uri="{BB962C8B-B14F-4D97-AF65-F5344CB8AC3E}">
-        <p14:creationId xmlns:p14="http://schemas.microsoft.com/office/powerpoint/2010/main" val="3678013751"/>
+        <p14:creationId xmlns:p14="http://schemas.microsoft.com/office/powerpoint/2010/main" val="2519700095"/>
       </p:ext>
     </p:extLst>
   </p:cSld>
@@ -3259,6 +3349,86 @@
       </p:grpSpPr>
       <p:sp>
         <p:nvSpPr>
+          <p:cNvPr id="4" name="Title 3"/>
+          <p:cNvSpPr>
+            <a:spLocks noGrp="1"/>
+          </p:cNvSpPr>
+          <p:nvPr>
+            <p:ph type="title"/>
+          </p:nvPr>
+        </p:nvSpPr>
+        <p:spPr/>
+        <p:txBody>
+          <a:bodyPr/>
+          <a:lstStyle/>
+          <a:p>
+            <a:r>
+              <a:rPr lang="en-US" dirty="0" smtClean="0"/>
+              <a:t>Working with </a:t>
+            </a:r>
+            <a:r>
+              <a:rPr lang="en-US" dirty="0" err="1" smtClean="0"/>
+              <a:t>git</a:t>
+            </a:r>
+            <a:endParaRPr lang="en-IE" dirty="0"/>
+          </a:p>
+        </p:txBody>
+      </p:sp>
+      <p:sp>
+        <p:nvSpPr>
+          <p:cNvPr id="5" name="Text Placeholder 4"/>
+          <p:cNvSpPr>
+            <a:spLocks noGrp="1"/>
+          </p:cNvSpPr>
+          <p:nvPr>
+            <p:ph type="body" idx="1"/>
+          </p:nvPr>
+        </p:nvSpPr>
+        <p:spPr/>
+        <p:txBody>
+          <a:bodyPr/>
+          <a:lstStyle/>
+          <a:p>
+            <a:r>
+              <a:rPr lang="en-US" dirty="0" smtClean="0"/>
+              <a:t>Workflow</a:t>
+            </a:r>
+            <a:endParaRPr lang="en-IE" dirty="0"/>
+          </a:p>
+        </p:txBody>
+      </p:sp>
+    </p:spTree>
+    <p:extLst>
+      <p:ext uri="{BB962C8B-B14F-4D97-AF65-F5344CB8AC3E}">
+        <p14:creationId xmlns:p14="http://schemas.microsoft.com/office/powerpoint/2010/main" val="3678013751"/>
+      </p:ext>
+    </p:extLst>
+  </p:cSld>
+  <p:clrMapOvr>
+    <a:masterClrMapping/>
+  </p:clrMapOvr>
+</p:sld>
+</file>
+
+<file path=ppt/slides/slide4.xml><?xml version="1.0" encoding="utf-8"?>
+<p:sld xmlns:a="http://schemas.openxmlformats.org/drawingml/2006/main" xmlns:r="http://schemas.openxmlformats.org/officeDocument/2006/relationships" xmlns:p="http://schemas.openxmlformats.org/presentationml/2006/main">
+  <p:cSld>
+    <p:spTree>
+      <p:nvGrpSpPr>
+        <p:cNvPr id="1" name=""/>
+        <p:cNvGrpSpPr/>
+        <p:nvPr/>
+      </p:nvGrpSpPr>
+      <p:grpSpPr>
+        <a:xfrm>
+          <a:off x="0" y="0"/>
+          <a:ext cx="0" cy="0"/>
+          <a:chOff x="0" y="0"/>
+          <a:chExt cx="0" cy="0"/>
+        </a:xfrm>
+      </p:grpSpPr>
+      <p:sp>
+        <p:nvSpPr>
           <p:cNvPr id="2" name="Title 1"/>
           <p:cNvSpPr>
             <a:spLocks noGrp="1"/>
@@ -3399,7 +3569,7 @@
 </p:sld>
 </file>
 
-<file path=ppt/slides/slide4.xml><?xml version="1.0" encoding="utf-8"?>
+<file path=ppt/slides/slide5.xml><?xml version="1.0" encoding="utf-8"?>
 <p:sld xmlns:a="http://schemas.openxmlformats.org/drawingml/2006/main" xmlns:r="http://schemas.openxmlformats.org/officeDocument/2006/relationships" xmlns:p="http://schemas.openxmlformats.org/presentationml/2006/main">
   <p:cSld>
     <p:spTree>
@@ -3483,7 +3653,7 @@
 </p:sld>
 </file>
 
-<file path=ppt/slides/slide5.xml><?xml version="1.0" encoding="utf-8"?>
+<file path=ppt/slides/slide6.xml><?xml version="1.0" encoding="utf-8"?>
 <p:sld xmlns:a="http://schemas.openxmlformats.org/drawingml/2006/main" xmlns:r="http://schemas.openxmlformats.org/officeDocument/2006/relationships" xmlns:p="http://schemas.openxmlformats.org/presentationml/2006/main">
   <p:cSld>
     <p:spTree>
@@ -3628,7 +3798,7 @@
 </p:sld>
 </file>
 
-<file path=ppt/slides/slide6.xml><?xml version="1.0" encoding="utf-8"?>
+<file path=ppt/slides/slide7.xml><?xml version="1.0" encoding="utf-8"?>
 <p:sld xmlns:a="http://schemas.openxmlformats.org/drawingml/2006/main" xmlns:r="http://schemas.openxmlformats.org/officeDocument/2006/relationships" xmlns:p="http://schemas.openxmlformats.org/presentationml/2006/main">
   <p:cSld>
     <p:spTree>
@@ -3712,7 +3882,7 @@
 </p:sld>
 </file>
 
-<file path=ppt/slides/slide7.xml><?xml version="1.0" encoding="utf-8"?>
+<file path=ppt/slides/slide8.xml><?xml version="1.0" encoding="utf-8"?>
 <p:sld xmlns:a="http://schemas.openxmlformats.org/drawingml/2006/main" xmlns:r="http://schemas.openxmlformats.org/officeDocument/2006/relationships" xmlns:p="http://schemas.openxmlformats.org/presentationml/2006/main">
   <p:cSld>
     <p:spTree>
@@ -3796,7 +3966,7 @@
 </p:sld>
 </file>
 
-<file path=ppt/slides/slide8.xml><?xml version="1.0" encoding="utf-8"?>
+<file path=ppt/slides/slide9.xml><?xml version="1.0" encoding="utf-8"?>
 <p:sld xmlns:a="http://schemas.openxmlformats.org/drawingml/2006/main" xmlns:r="http://schemas.openxmlformats.org/officeDocument/2006/relationships" xmlns:p="http://schemas.openxmlformats.org/presentationml/2006/main">
   <p:cSld>
     <p:spTree>
